--- a/Проект.pptx
+++ b/Проект.pptx
@@ -112,6 +112,11 @@
       </a:defRPr>
     </a:lvl9pPr>
   </p:defaultTextStyle>
+  <p:extLst>
+    <p:ext uri="{EFAFB233-063F-42B5-8137-9DF3F51BA10A}">
+      <p15:sldGuideLst xmlns:p15="http://schemas.microsoft.com/office/powerpoint/2012/main"/>
+    </p:ext>
+  </p:extLst>
 </p:presentation>
 </file>
 
@@ -4689,10 +4694,10 @@
       </p:sp>
       <p:pic>
         <p:nvPicPr>
-          <p:cNvPr id="5" name="Рисунок 4">
-            <a:extLst>
-              <a:ext uri="{FF2B5EF4-FFF2-40B4-BE49-F238E27FC236}">
-                <a16:creationId xmlns:a16="http://schemas.microsoft.com/office/drawing/2014/main" id="{7A229A77-CDAF-4926-A07C-1C4A0FF96656}"/>
+          <p:cNvPr id="7" name="Рисунок 6">
+            <a:extLst>
+              <a:ext uri="{FF2B5EF4-FFF2-40B4-BE49-F238E27FC236}">
+                <a16:creationId xmlns:a16="http://schemas.microsoft.com/office/drawing/2014/main" id="{FDA946D6-86F8-48FB-87BA-AB61FA9CDB5B}"/>
               </a:ext>
             </a:extLst>
           </p:cNvPr>
@@ -4709,8 +4714,8 @@
         </p:blipFill>
         <p:spPr>
           <a:xfrm>
-            <a:off x="1638300" y="1325563"/>
-            <a:ext cx="4648200" cy="1704975"/>
+            <a:off x="6613281" y="1325563"/>
+            <a:ext cx="2623038" cy="1704975"/>
           </a:xfrm>
           <a:prstGeom prst="rect">
             <a:avLst/>
@@ -4719,10 +4724,10 @@
       </p:pic>
       <p:pic>
         <p:nvPicPr>
-          <p:cNvPr id="7" name="Рисунок 6">
-            <a:extLst>
-              <a:ext uri="{FF2B5EF4-FFF2-40B4-BE49-F238E27FC236}">
-                <a16:creationId xmlns:a16="http://schemas.microsoft.com/office/drawing/2014/main" id="{FDA946D6-86F8-48FB-87BA-AB61FA9CDB5B}"/>
+          <p:cNvPr id="4" name="Рисунок 3">
+            <a:extLst>
+              <a:ext uri="{FF2B5EF4-FFF2-40B4-BE49-F238E27FC236}">
+                <a16:creationId xmlns:a16="http://schemas.microsoft.com/office/drawing/2014/main" id="{A64D8B0B-B876-4F2A-BCCB-100963AF2A9C}"/>
               </a:ext>
             </a:extLst>
           </p:cNvPr>
@@ -4739,8 +4744,8 @@
         </p:blipFill>
         <p:spPr>
           <a:xfrm>
-            <a:off x="6613281" y="1325563"/>
-            <a:ext cx="2623038" cy="1704975"/>
+            <a:off x="1460988" y="1325563"/>
+            <a:ext cx="5124450" cy="3533775"/>
           </a:xfrm>
           <a:prstGeom prst="rect">
             <a:avLst/>
